--- a/ppt 16-9/1289.天父的爱.pptx
+++ b/ppt 16-9/1289.天父的爱.pptx
@@ -129,7 +129,7 @@
           <p:cNvPr id="2" name="标题 1">
             <a:extLst>
               <a:ext uri="{FF2B5EF4-FFF2-40B4-BE49-F238E27FC236}">
-                <a16:creationId xmlns:a16="http://schemas.microsoft.com/office/drawing/2014/main" id="{A8982BB1-F79B-EE54-0D62-ED804AC1DAFD}"/>
+                <a16:creationId xmlns:a16="http://schemas.microsoft.com/office/drawing/2014/main" id="{314A8CE2-3DB5-D45A-B7CA-9E647FD17C65}"/>
               </a:ext>
             </a:extLst>
           </p:cNvPr>
@@ -166,7 +166,7 @@
           <p:cNvPr id="3" name="副标题 2">
             <a:extLst>
               <a:ext uri="{FF2B5EF4-FFF2-40B4-BE49-F238E27FC236}">
-                <a16:creationId xmlns:a16="http://schemas.microsoft.com/office/drawing/2014/main" id="{A7419F90-7708-010D-580E-133B44182556}"/>
+                <a16:creationId xmlns:a16="http://schemas.microsoft.com/office/drawing/2014/main" id="{BB262690-92DE-D56B-10B7-320B007D414A}"/>
               </a:ext>
             </a:extLst>
           </p:cNvPr>
@@ -236,7 +236,7 @@
           <p:cNvPr id="4" name="日期占位符 3">
             <a:extLst>
               <a:ext uri="{FF2B5EF4-FFF2-40B4-BE49-F238E27FC236}">
-                <a16:creationId xmlns:a16="http://schemas.microsoft.com/office/drawing/2014/main" id="{312A3E50-6F23-5E25-6CE0-41DC2810EA4A}"/>
+                <a16:creationId xmlns:a16="http://schemas.microsoft.com/office/drawing/2014/main" id="{B80F20BB-43B0-DBD7-5CCE-A4107FAADF7C}"/>
               </a:ext>
             </a:extLst>
           </p:cNvPr>
@@ -252,7 +252,7 @@
           <a:bodyPr/>
           <a:lstStyle/>
           <a:p>
-            <a:fld id="{C85E9110-84E8-45E5-BD4A-6DBD14E56B43}" type="datetimeFigureOut">
+            <a:fld id="{7476B200-625E-46A8-8E89-0C54EDEF49C6}" type="datetimeFigureOut">
               <a:rPr lang="zh-CN" altLang="en-US" smtClean="0"/>
               <a:t>2024/3/10</a:t>
             </a:fld>
@@ -265,7 +265,7 @@
           <p:cNvPr id="5" name="页脚占位符 4">
             <a:extLst>
               <a:ext uri="{FF2B5EF4-FFF2-40B4-BE49-F238E27FC236}">
-                <a16:creationId xmlns:a16="http://schemas.microsoft.com/office/drawing/2014/main" id="{FABA4B52-EB19-0734-24A5-14D4B5CD9626}"/>
+                <a16:creationId xmlns:a16="http://schemas.microsoft.com/office/drawing/2014/main" id="{CA68BBAE-FB8D-D7C6-2915-0C90998B6117}"/>
               </a:ext>
             </a:extLst>
           </p:cNvPr>
@@ -290,7 +290,7 @@
           <p:cNvPr id="6" name="灯片编号占位符 5">
             <a:extLst>
               <a:ext uri="{FF2B5EF4-FFF2-40B4-BE49-F238E27FC236}">
-                <a16:creationId xmlns:a16="http://schemas.microsoft.com/office/drawing/2014/main" id="{4034AFB3-61BF-245D-5F32-C79298555861}"/>
+                <a16:creationId xmlns:a16="http://schemas.microsoft.com/office/drawing/2014/main" id="{0664611C-306D-53A1-A2BA-1E0269003529}"/>
               </a:ext>
             </a:extLst>
           </p:cNvPr>
@@ -306,7 +306,7 @@
           <a:bodyPr/>
           <a:lstStyle/>
           <a:p>
-            <a:fld id="{1D3761CA-8E17-4342-9C42-61CE4270A9C0}" type="slidenum">
+            <a:fld id="{CEA4D8B0-5CAF-4B51-BA12-E12C6F4FB0D9}" type="slidenum">
               <a:rPr lang="zh-CN" altLang="en-US" smtClean="0"/>
               <a:t>‹#›</a:t>
             </a:fld>
@@ -317,7 +317,7 @@
     </p:spTree>
     <p:extLst>
       <p:ext uri="{BB962C8B-B14F-4D97-AF65-F5344CB8AC3E}">
-        <p14:creationId xmlns:p14="http://schemas.microsoft.com/office/powerpoint/2010/main" val="3083072002"/>
+        <p14:creationId xmlns:p14="http://schemas.microsoft.com/office/powerpoint/2010/main" val="1758055040"/>
       </p:ext>
     </p:extLst>
   </p:cSld>
@@ -349,7 +349,7 @@
           <p:cNvPr id="2" name="标题 1">
             <a:extLst>
               <a:ext uri="{FF2B5EF4-FFF2-40B4-BE49-F238E27FC236}">
-                <a16:creationId xmlns:a16="http://schemas.microsoft.com/office/drawing/2014/main" id="{9D466C2F-993B-9049-5F63-C269954E126C}"/>
+                <a16:creationId xmlns:a16="http://schemas.microsoft.com/office/drawing/2014/main" id="{E180ED28-3F6A-09FA-6D5D-2F21347C0D18}"/>
               </a:ext>
             </a:extLst>
           </p:cNvPr>
@@ -377,7 +377,7 @@
           <p:cNvPr id="3" name="竖排文字占位符 2">
             <a:extLst>
               <a:ext uri="{FF2B5EF4-FFF2-40B4-BE49-F238E27FC236}">
-                <a16:creationId xmlns:a16="http://schemas.microsoft.com/office/drawing/2014/main" id="{45E2FFC1-C92E-4BD6-38CB-7EBB55C5E7F0}"/>
+                <a16:creationId xmlns:a16="http://schemas.microsoft.com/office/drawing/2014/main" id="{D1849F01-2D23-4C56-54C6-DBCAD234E5FB}"/>
               </a:ext>
             </a:extLst>
           </p:cNvPr>
@@ -434,7 +434,7 @@
           <p:cNvPr id="4" name="日期占位符 3">
             <a:extLst>
               <a:ext uri="{FF2B5EF4-FFF2-40B4-BE49-F238E27FC236}">
-                <a16:creationId xmlns:a16="http://schemas.microsoft.com/office/drawing/2014/main" id="{F2AC87C8-710A-7671-FCCD-3376BA954B10}"/>
+                <a16:creationId xmlns:a16="http://schemas.microsoft.com/office/drawing/2014/main" id="{F968E65E-1940-EC6A-1881-27FBB83F462B}"/>
               </a:ext>
             </a:extLst>
           </p:cNvPr>
@@ -450,7 +450,7 @@
           <a:bodyPr/>
           <a:lstStyle/>
           <a:p>
-            <a:fld id="{C85E9110-84E8-45E5-BD4A-6DBD14E56B43}" type="datetimeFigureOut">
+            <a:fld id="{7476B200-625E-46A8-8E89-0C54EDEF49C6}" type="datetimeFigureOut">
               <a:rPr lang="zh-CN" altLang="en-US" smtClean="0"/>
               <a:t>2024/3/10</a:t>
             </a:fld>
@@ -463,7 +463,7 @@
           <p:cNvPr id="5" name="页脚占位符 4">
             <a:extLst>
               <a:ext uri="{FF2B5EF4-FFF2-40B4-BE49-F238E27FC236}">
-                <a16:creationId xmlns:a16="http://schemas.microsoft.com/office/drawing/2014/main" id="{F860BB9F-0084-C92F-6653-6A84E693C6C5}"/>
+                <a16:creationId xmlns:a16="http://schemas.microsoft.com/office/drawing/2014/main" id="{C9A5503A-4DEC-9E74-D933-366C2DD0A46B}"/>
               </a:ext>
             </a:extLst>
           </p:cNvPr>
@@ -488,7 +488,7 @@
           <p:cNvPr id="6" name="灯片编号占位符 5">
             <a:extLst>
               <a:ext uri="{FF2B5EF4-FFF2-40B4-BE49-F238E27FC236}">
-                <a16:creationId xmlns:a16="http://schemas.microsoft.com/office/drawing/2014/main" id="{DA243163-400A-7685-B19D-8B28F8488560}"/>
+                <a16:creationId xmlns:a16="http://schemas.microsoft.com/office/drawing/2014/main" id="{CDCD49EB-5D92-C4B4-1031-9A475AC7463C}"/>
               </a:ext>
             </a:extLst>
           </p:cNvPr>
@@ -504,7 +504,7 @@
           <a:bodyPr/>
           <a:lstStyle/>
           <a:p>
-            <a:fld id="{1D3761CA-8E17-4342-9C42-61CE4270A9C0}" type="slidenum">
+            <a:fld id="{CEA4D8B0-5CAF-4B51-BA12-E12C6F4FB0D9}" type="slidenum">
               <a:rPr lang="zh-CN" altLang="en-US" smtClean="0"/>
               <a:t>‹#›</a:t>
             </a:fld>
@@ -515,7 +515,7 @@
     </p:spTree>
     <p:extLst>
       <p:ext uri="{BB962C8B-B14F-4D97-AF65-F5344CB8AC3E}">
-        <p14:creationId xmlns:p14="http://schemas.microsoft.com/office/powerpoint/2010/main" val="4256494361"/>
+        <p14:creationId xmlns:p14="http://schemas.microsoft.com/office/powerpoint/2010/main" val="2962722239"/>
       </p:ext>
     </p:extLst>
   </p:cSld>
@@ -547,7 +547,7 @@
           <p:cNvPr id="2" name="竖排标题 1">
             <a:extLst>
               <a:ext uri="{FF2B5EF4-FFF2-40B4-BE49-F238E27FC236}">
-                <a16:creationId xmlns:a16="http://schemas.microsoft.com/office/drawing/2014/main" id="{DF017A36-1BD7-6E9E-CC27-5AB036569CD0}"/>
+                <a16:creationId xmlns:a16="http://schemas.microsoft.com/office/drawing/2014/main" id="{6F7F819F-3E87-D096-B2FC-2BF31CFC498D}"/>
               </a:ext>
             </a:extLst>
           </p:cNvPr>
@@ -580,7 +580,7 @@
           <p:cNvPr id="3" name="竖排文字占位符 2">
             <a:extLst>
               <a:ext uri="{FF2B5EF4-FFF2-40B4-BE49-F238E27FC236}">
-                <a16:creationId xmlns:a16="http://schemas.microsoft.com/office/drawing/2014/main" id="{DFCF6925-E5A3-6519-126E-86ECD2E10423}"/>
+                <a16:creationId xmlns:a16="http://schemas.microsoft.com/office/drawing/2014/main" id="{0413ECB5-3BF0-8609-9B09-90961958815F}"/>
               </a:ext>
             </a:extLst>
           </p:cNvPr>
@@ -642,7 +642,7 @@
           <p:cNvPr id="4" name="日期占位符 3">
             <a:extLst>
               <a:ext uri="{FF2B5EF4-FFF2-40B4-BE49-F238E27FC236}">
-                <a16:creationId xmlns:a16="http://schemas.microsoft.com/office/drawing/2014/main" id="{19194FF7-3792-4A00-18DC-E562A13DF7E2}"/>
+                <a16:creationId xmlns:a16="http://schemas.microsoft.com/office/drawing/2014/main" id="{E867C8C0-A109-EE4C-246C-031AA3AC4504}"/>
               </a:ext>
             </a:extLst>
           </p:cNvPr>
@@ -658,7 +658,7 @@
           <a:bodyPr/>
           <a:lstStyle/>
           <a:p>
-            <a:fld id="{C85E9110-84E8-45E5-BD4A-6DBD14E56B43}" type="datetimeFigureOut">
+            <a:fld id="{7476B200-625E-46A8-8E89-0C54EDEF49C6}" type="datetimeFigureOut">
               <a:rPr lang="zh-CN" altLang="en-US" smtClean="0"/>
               <a:t>2024/3/10</a:t>
             </a:fld>
@@ -671,7 +671,7 @@
           <p:cNvPr id="5" name="页脚占位符 4">
             <a:extLst>
               <a:ext uri="{FF2B5EF4-FFF2-40B4-BE49-F238E27FC236}">
-                <a16:creationId xmlns:a16="http://schemas.microsoft.com/office/drawing/2014/main" id="{4B80F2E5-53FB-DFEA-2F1D-380BC1AB0F49}"/>
+                <a16:creationId xmlns:a16="http://schemas.microsoft.com/office/drawing/2014/main" id="{69FC737B-10FB-80C7-6C34-7006E824890E}"/>
               </a:ext>
             </a:extLst>
           </p:cNvPr>
@@ -696,7 +696,7 @@
           <p:cNvPr id="6" name="灯片编号占位符 5">
             <a:extLst>
               <a:ext uri="{FF2B5EF4-FFF2-40B4-BE49-F238E27FC236}">
-                <a16:creationId xmlns:a16="http://schemas.microsoft.com/office/drawing/2014/main" id="{CEE31675-1692-B5B8-3EE0-39355AC54316}"/>
+                <a16:creationId xmlns:a16="http://schemas.microsoft.com/office/drawing/2014/main" id="{4F6A1CE2-7C13-A099-CE3E-423459F2CA60}"/>
               </a:ext>
             </a:extLst>
           </p:cNvPr>
@@ -712,7 +712,7 @@
           <a:bodyPr/>
           <a:lstStyle/>
           <a:p>
-            <a:fld id="{1D3761CA-8E17-4342-9C42-61CE4270A9C0}" type="slidenum">
+            <a:fld id="{CEA4D8B0-5CAF-4B51-BA12-E12C6F4FB0D9}" type="slidenum">
               <a:rPr lang="zh-CN" altLang="en-US" smtClean="0"/>
               <a:t>‹#›</a:t>
             </a:fld>
@@ -723,7 +723,7 @@
     </p:spTree>
     <p:extLst>
       <p:ext uri="{BB962C8B-B14F-4D97-AF65-F5344CB8AC3E}">
-        <p14:creationId xmlns:p14="http://schemas.microsoft.com/office/powerpoint/2010/main" val="3114002088"/>
+        <p14:creationId xmlns:p14="http://schemas.microsoft.com/office/powerpoint/2010/main" val="4000724724"/>
       </p:ext>
     </p:extLst>
   </p:cSld>
@@ -755,7 +755,7 @@
           <p:cNvPr id="2" name="标题 1">
             <a:extLst>
               <a:ext uri="{FF2B5EF4-FFF2-40B4-BE49-F238E27FC236}">
-                <a16:creationId xmlns:a16="http://schemas.microsoft.com/office/drawing/2014/main" id="{147872A6-71A4-3475-8753-060682A26968}"/>
+                <a16:creationId xmlns:a16="http://schemas.microsoft.com/office/drawing/2014/main" id="{CCBF10AD-1D1E-A63C-94A8-84FFB29CFEF3}"/>
               </a:ext>
             </a:extLst>
           </p:cNvPr>
@@ -783,7 +783,7 @@
           <p:cNvPr id="3" name="内容占位符 2">
             <a:extLst>
               <a:ext uri="{FF2B5EF4-FFF2-40B4-BE49-F238E27FC236}">
-                <a16:creationId xmlns:a16="http://schemas.microsoft.com/office/drawing/2014/main" id="{86018E0E-68A2-BE16-1173-22F5A64BC89F}"/>
+                <a16:creationId xmlns:a16="http://schemas.microsoft.com/office/drawing/2014/main" id="{A6EDD987-08AC-C660-B151-300166BCF607}"/>
               </a:ext>
             </a:extLst>
           </p:cNvPr>
@@ -840,7 +840,7 @@
           <p:cNvPr id="4" name="日期占位符 3">
             <a:extLst>
               <a:ext uri="{FF2B5EF4-FFF2-40B4-BE49-F238E27FC236}">
-                <a16:creationId xmlns:a16="http://schemas.microsoft.com/office/drawing/2014/main" id="{AC3672DA-AD13-C8C3-7214-A8BD1EE0D771}"/>
+                <a16:creationId xmlns:a16="http://schemas.microsoft.com/office/drawing/2014/main" id="{B0FAA384-8D83-9781-9B0E-D44E93B2CE8A}"/>
               </a:ext>
             </a:extLst>
           </p:cNvPr>
@@ -856,7 +856,7 @@
           <a:bodyPr/>
           <a:lstStyle/>
           <a:p>
-            <a:fld id="{C85E9110-84E8-45E5-BD4A-6DBD14E56B43}" type="datetimeFigureOut">
+            <a:fld id="{7476B200-625E-46A8-8E89-0C54EDEF49C6}" type="datetimeFigureOut">
               <a:rPr lang="zh-CN" altLang="en-US" smtClean="0"/>
               <a:t>2024/3/10</a:t>
             </a:fld>
@@ -869,7 +869,7 @@
           <p:cNvPr id="5" name="页脚占位符 4">
             <a:extLst>
               <a:ext uri="{FF2B5EF4-FFF2-40B4-BE49-F238E27FC236}">
-                <a16:creationId xmlns:a16="http://schemas.microsoft.com/office/drawing/2014/main" id="{8FBE3044-4E24-8228-E506-DC40292EFF52}"/>
+                <a16:creationId xmlns:a16="http://schemas.microsoft.com/office/drawing/2014/main" id="{61066730-434F-9BC1-2AEE-4F5F7041BBF1}"/>
               </a:ext>
             </a:extLst>
           </p:cNvPr>
@@ -894,7 +894,7 @@
           <p:cNvPr id="6" name="灯片编号占位符 5">
             <a:extLst>
               <a:ext uri="{FF2B5EF4-FFF2-40B4-BE49-F238E27FC236}">
-                <a16:creationId xmlns:a16="http://schemas.microsoft.com/office/drawing/2014/main" id="{116A0E00-C328-5302-953E-A8D57A093FCB}"/>
+                <a16:creationId xmlns:a16="http://schemas.microsoft.com/office/drawing/2014/main" id="{69FF9641-BC30-B4C6-FB08-AAD6EC1BE411}"/>
               </a:ext>
             </a:extLst>
           </p:cNvPr>
@@ -910,7 +910,7 @@
           <a:bodyPr/>
           <a:lstStyle/>
           <a:p>
-            <a:fld id="{1D3761CA-8E17-4342-9C42-61CE4270A9C0}" type="slidenum">
+            <a:fld id="{CEA4D8B0-5CAF-4B51-BA12-E12C6F4FB0D9}" type="slidenum">
               <a:rPr lang="zh-CN" altLang="en-US" smtClean="0"/>
               <a:t>‹#›</a:t>
             </a:fld>
@@ -921,7 +921,7 @@
     </p:spTree>
     <p:extLst>
       <p:ext uri="{BB962C8B-B14F-4D97-AF65-F5344CB8AC3E}">
-        <p14:creationId xmlns:p14="http://schemas.microsoft.com/office/powerpoint/2010/main" val="3096024348"/>
+        <p14:creationId xmlns:p14="http://schemas.microsoft.com/office/powerpoint/2010/main" val="1995755498"/>
       </p:ext>
     </p:extLst>
   </p:cSld>
@@ -953,7 +953,7 @@
           <p:cNvPr id="2" name="标题 1">
             <a:extLst>
               <a:ext uri="{FF2B5EF4-FFF2-40B4-BE49-F238E27FC236}">
-                <a16:creationId xmlns:a16="http://schemas.microsoft.com/office/drawing/2014/main" id="{FE311DE1-1D78-9FE3-8353-F150B015476E}"/>
+                <a16:creationId xmlns:a16="http://schemas.microsoft.com/office/drawing/2014/main" id="{FCA1ED27-0347-3D24-7EC0-1814B060F55F}"/>
               </a:ext>
             </a:extLst>
           </p:cNvPr>
@@ -990,7 +990,7 @@
           <p:cNvPr id="3" name="文本占位符 2">
             <a:extLst>
               <a:ext uri="{FF2B5EF4-FFF2-40B4-BE49-F238E27FC236}">
-                <a16:creationId xmlns:a16="http://schemas.microsoft.com/office/drawing/2014/main" id="{4D9DCF43-0918-B7F2-AA14-AC0C46363D41}"/>
+                <a16:creationId xmlns:a16="http://schemas.microsoft.com/office/drawing/2014/main" id="{B54570F5-726D-3DC8-FD9B-EE9DF17312D1}"/>
               </a:ext>
             </a:extLst>
           </p:cNvPr>
@@ -1115,7 +1115,7 @@
           <p:cNvPr id="4" name="日期占位符 3">
             <a:extLst>
               <a:ext uri="{FF2B5EF4-FFF2-40B4-BE49-F238E27FC236}">
-                <a16:creationId xmlns:a16="http://schemas.microsoft.com/office/drawing/2014/main" id="{6D7A7A72-4740-B2AB-0F02-4666207A0B84}"/>
+                <a16:creationId xmlns:a16="http://schemas.microsoft.com/office/drawing/2014/main" id="{DB817669-62EC-1119-1389-8B4126720E60}"/>
               </a:ext>
             </a:extLst>
           </p:cNvPr>
@@ -1131,7 +1131,7 @@
           <a:bodyPr/>
           <a:lstStyle/>
           <a:p>
-            <a:fld id="{C85E9110-84E8-45E5-BD4A-6DBD14E56B43}" type="datetimeFigureOut">
+            <a:fld id="{7476B200-625E-46A8-8E89-0C54EDEF49C6}" type="datetimeFigureOut">
               <a:rPr lang="zh-CN" altLang="en-US" smtClean="0"/>
               <a:t>2024/3/10</a:t>
             </a:fld>
@@ -1144,7 +1144,7 @@
           <p:cNvPr id="5" name="页脚占位符 4">
             <a:extLst>
               <a:ext uri="{FF2B5EF4-FFF2-40B4-BE49-F238E27FC236}">
-                <a16:creationId xmlns:a16="http://schemas.microsoft.com/office/drawing/2014/main" id="{FC326200-4A09-5EE1-9E66-E68BF07DC98E}"/>
+                <a16:creationId xmlns:a16="http://schemas.microsoft.com/office/drawing/2014/main" id="{6D767FDB-104B-74FE-C891-6E7E1ED2C13F}"/>
               </a:ext>
             </a:extLst>
           </p:cNvPr>
@@ -1169,7 +1169,7 @@
           <p:cNvPr id="6" name="灯片编号占位符 5">
             <a:extLst>
               <a:ext uri="{FF2B5EF4-FFF2-40B4-BE49-F238E27FC236}">
-                <a16:creationId xmlns:a16="http://schemas.microsoft.com/office/drawing/2014/main" id="{F9269919-DD3F-8BC2-1B9D-F08944BB1269}"/>
+                <a16:creationId xmlns:a16="http://schemas.microsoft.com/office/drawing/2014/main" id="{7C42ACFD-FBCE-98FF-59ED-FB9A77354E15}"/>
               </a:ext>
             </a:extLst>
           </p:cNvPr>
@@ -1185,7 +1185,7 @@
           <a:bodyPr/>
           <a:lstStyle/>
           <a:p>
-            <a:fld id="{1D3761CA-8E17-4342-9C42-61CE4270A9C0}" type="slidenum">
+            <a:fld id="{CEA4D8B0-5CAF-4B51-BA12-E12C6F4FB0D9}" type="slidenum">
               <a:rPr lang="zh-CN" altLang="en-US" smtClean="0"/>
               <a:t>‹#›</a:t>
             </a:fld>
@@ -1196,7 +1196,7 @@
     </p:spTree>
     <p:extLst>
       <p:ext uri="{BB962C8B-B14F-4D97-AF65-F5344CB8AC3E}">
-        <p14:creationId xmlns:p14="http://schemas.microsoft.com/office/powerpoint/2010/main" val="2908214308"/>
+        <p14:creationId xmlns:p14="http://schemas.microsoft.com/office/powerpoint/2010/main" val="1176915157"/>
       </p:ext>
     </p:extLst>
   </p:cSld>
@@ -1228,7 +1228,7 @@
           <p:cNvPr id="2" name="标题 1">
             <a:extLst>
               <a:ext uri="{FF2B5EF4-FFF2-40B4-BE49-F238E27FC236}">
-                <a16:creationId xmlns:a16="http://schemas.microsoft.com/office/drawing/2014/main" id="{314DAF22-7059-C5CF-08E1-E421CC2D6104}"/>
+                <a16:creationId xmlns:a16="http://schemas.microsoft.com/office/drawing/2014/main" id="{B636281D-B3A8-F2B3-93C6-01B9E1F2F1B5}"/>
               </a:ext>
             </a:extLst>
           </p:cNvPr>
@@ -1256,7 +1256,7 @@
           <p:cNvPr id="3" name="内容占位符 2">
             <a:extLst>
               <a:ext uri="{FF2B5EF4-FFF2-40B4-BE49-F238E27FC236}">
-                <a16:creationId xmlns:a16="http://schemas.microsoft.com/office/drawing/2014/main" id="{CD2566AD-F1FB-2D30-8506-D14B0765281F}"/>
+                <a16:creationId xmlns:a16="http://schemas.microsoft.com/office/drawing/2014/main" id="{0F8A553B-A58E-27A4-41B1-EA5706BAC781}"/>
               </a:ext>
             </a:extLst>
           </p:cNvPr>
@@ -1318,7 +1318,7 @@
           <p:cNvPr id="4" name="内容占位符 3">
             <a:extLst>
               <a:ext uri="{FF2B5EF4-FFF2-40B4-BE49-F238E27FC236}">
-                <a16:creationId xmlns:a16="http://schemas.microsoft.com/office/drawing/2014/main" id="{5A6C7941-1021-ED66-9CB6-E245D1EB2B1D}"/>
+                <a16:creationId xmlns:a16="http://schemas.microsoft.com/office/drawing/2014/main" id="{B16FFA83-CD9B-8F5A-FD97-153B73A3BA20}"/>
               </a:ext>
             </a:extLst>
           </p:cNvPr>
@@ -1380,7 +1380,7 @@
           <p:cNvPr id="5" name="日期占位符 4">
             <a:extLst>
               <a:ext uri="{FF2B5EF4-FFF2-40B4-BE49-F238E27FC236}">
-                <a16:creationId xmlns:a16="http://schemas.microsoft.com/office/drawing/2014/main" id="{FA3482E9-9794-4600-600B-A680414E02A1}"/>
+                <a16:creationId xmlns:a16="http://schemas.microsoft.com/office/drawing/2014/main" id="{B9D986C1-52DA-C5EB-5B03-4ACC3A4C1659}"/>
               </a:ext>
             </a:extLst>
           </p:cNvPr>
@@ -1396,7 +1396,7 @@
           <a:bodyPr/>
           <a:lstStyle/>
           <a:p>
-            <a:fld id="{C85E9110-84E8-45E5-BD4A-6DBD14E56B43}" type="datetimeFigureOut">
+            <a:fld id="{7476B200-625E-46A8-8E89-0C54EDEF49C6}" type="datetimeFigureOut">
               <a:rPr lang="zh-CN" altLang="en-US" smtClean="0"/>
               <a:t>2024/3/10</a:t>
             </a:fld>
@@ -1409,7 +1409,7 @@
           <p:cNvPr id="6" name="页脚占位符 5">
             <a:extLst>
               <a:ext uri="{FF2B5EF4-FFF2-40B4-BE49-F238E27FC236}">
-                <a16:creationId xmlns:a16="http://schemas.microsoft.com/office/drawing/2014/main" id="{CA1FF253-961F-F1EC-72E2-98993D8CEB1F}"/>
+                <a16:creationId xmlns:a16="http://schemas.microsoft.com/office/drawing/2014/main" id="{5DE9FE0E-5F0B-0678-4A7E-60E29EEDE321}"/>
               </a:ext>
             </a:extLst>
           </p:cNvPr>
@@ -1434,7 +1434,7 @@
           <p:cNvPr id="7" name="灯片编号占位符 6">
             <a:extLst>
               <a:ext uri="{FF2B5EF4-FFF2-40B4-BE49-F238E27FC236}">
-                <a16:creationId xmlns:a16="http://schemas.microsoft.com/office/drawing/2014/main" id="{F6029641-AED7-0794-D2AF-1FA6956A80F9}"/>
+                <a16:creationId xmlns:a16="http://schemas.microsoft.com/office/drawing/2014/main" id="{9D048C1E-7CFE-12EB-85C3-B4413DF74C06}"/>
               </a:ext>
             </a:extLst>
           </p:cNvPr>
@@ -1450,7 +1450,7 @@
           <a:bodyPr/>
           <a:lstStyle/>
           <a:p>
-            <a:fld id="{1D3761CA-8E17-4342-9C42-61CE4270A9C0}" type="slidenum">
+            <a:fld id="{CEA4D8B0-5CAF-4B51-BA12-E12C6F4FB0D9}" type="slidenum">
               <a:rPr lang="zh-CN" altLang="en-US" smtClean="0"/>
               <a:t>‹#›</a:t>
             </a:fld>
@@ -1461,7 +1461,7 @@
     </p:spTree>
     <p:extLst>
       <p:ext uri="{BB962C8B-B14F-4D97-AF65-F5344CB8AC3E}">
-        <p14:creationId xmlns:p14="http://schemas.microsoft.com/office/powerpoint/2010/main" val="2246740868"/>
+        <p14:creationId xmlns:p14="http://schemas.microsoft.com/office/powerpoint/2010/main" val="4056880152"/>
       </p:ext>
     </p:extLst>
   </p:cSld>
@@ -1493,7 +1493,7 @@
           <p:cNvPr id="2" name="标题 1">
             <a:extLst>
               <a:ext uri="{FF2B5EF4-FFF2-40B4-BE49-F238E27FC236}">
-                <a16:creationId xmlns:a16="http://schemas.microsoft.com/office/drawing/2014/main" id="{08FE8334-8F4A-326D-A7D8-1773408BB0FD}"/>
+                <a16:creationId xmlns:a16="http://schemas.microsoft.com/office/drawing/2014/main" id="{2D1465F0-6A32-B50B-3847-365A34677386}"/>
               </a:ext>
             </a:extLst>
           </p:cNvPr>
@@ -1526,7 +1526,7 @@
           <p:cNvPr id="3" name="文本占位符 2">
             <a:extLst>
               <a:ext uri="{FF2B5EF4-FFF2-40B4-BE49-F238E27FC236}">
-                <a16:creationId xmlns:a16="http://schemas.microsoft.com/office/drawing/2014/main" id="{0A397049-0728-B263-DEBB-4F6858394677}"/>
+                <a16:creationId xmlns:a16="http://schemas.microsoft.com/office/drawing/2014/main" id="{65D58D4F-74F8-9210-FF54-136EF14A6C1B}"/>
               </a:ext>
             </a:extLst>
           </p:cNvPr>
@@ -1597,7 +1597,7 @@
           <p:cNvPr id="4" name="内容占位符 3">
             <a:extLst>
               <a:ext uri="{FF2B5EF4-FFF2-40B4-BE49-F238E27FC236}">
-                <a16:creationId xmlns:a16="http://schemas.microsoft.com/office/drawing/2014/main" id="{E727669A-A98F-4018-20B2-AE4D0274B9CF}"/>
+                <a16:creationId xmlns:a16="http://schemas.microsoft.com/office/drawing/2014/main" id="{33DB6F42-5E61-6440-CC2A-01707C25533D}"/>
               </a:ext>
             </a:extLst>
           </p:cNvPr>
@@ -1659,7 +1659,7 @@
           <p:cNvPr id="5" name="文本占位符 4">
             <a:extLst>
               <a:ext uri="{FF2B5EF4-FFF2-40B4-BE49-F238E27FC236}">
-                <a16:creationId xmlns:a16="http://schemas.microsoft.com/office/drawing/2014/main" id="{BCEB8B17-D862-BA63-A24E-F3B11B36955F}"/>
+                <a16:creationId xmlns:a16="http://schemas.microsoft.com/office/drawing/2014/main" id="{7FBF05BC-4739-D909-420E-8DED1F29F1E5}"/>
               </a:ext>
             </a:extLst>
           </p:cNvPr>
@@ -1730,7 +1730,7 @@
           <p:cNvPr id="6" name="内容占位符 5">
             <a:extLst>
               <a:ext uri="{FF2B5EF4-FFF2-40B4-BE49-F238E27FC236}">
-                <a16:creationId xmlns:a16="http://schemas.microsoft.com/office/drawing/2014/main" id="{9BEC25A3-2F84-1933-0D2C-EF47BDC8C910}"/>
+                <a16:creationId xmlns:a16="http://schemas.microsoft.com/office/drawing/2014/main" id="{8BF926C4-39B1-24EE-6540-371888A7B0B5}"/>
               </a:ext>
             </a:extLst>
           </p:cNvPr>
@@ -1792,7 +1792,7 @@
           <p:cNvPr id="7" name="日期占位符 6">
             <a:extLst>
               <a:ext uri="{FF2B5EF4-FFF2-40B4-BE49-F238E27FC236}">
-                <a16:creationId xmlns:a16="http://schemas.microsoft.com/office/drawing/2014/main" id="{FCE866CD-6C5C-0963-A18A-E5B06B4022E2}"/>
+                <a16:creationId xmlns:a16="http://schemas.microsoft.com/office/drawing/2014/main" id="{668060E8-CAFC-79CF-DB42-50552AC8C504}"/>
               </a:ext>
             </a:extLst>
           </p:cNvPr>
@@ -1808,7 +1808,7 @@
           <a:bodyPr/>
           <a:lstStyle/>
           <a:p>
-            <a:fld id="{C85E9110-84E8-45E5-BD4A-6DBD14E56B43}" type="datetimeFigureOut">
+            <a:fld id="{7476B200-625E-46A8-8E89-0C54EDEF49C6}" type="datetimeFigureOut">
               <a:rPr lang="zh-CN" altLang="en-US" smtClean="0"/>
               <a:t>2024/3/10</a:t>
             </a:fld>
@@ -1821,7 +1821,7 @@
           <p:cNvPr id="8" name="页脚占位符 7">
             <a:extLst>
               <a:ext uri="{FF2B5EF4-FFF2-40B4-BE49-F238E27FC236}">
-                <a16:creationId xmlns:a16="http://schemas.microsoft.com/office/drawing/2014/main" id="{FF0B8E5A-CF16-3313-2BD6-2513CDF5B840}"/>
+                <a16:creationId xmlns:a16="http://schemas.microsoft.com/office/drawing/2014/main" id="{3F9745F6-EF3D-64C3-EF03-4844180DCBED}"/>
               </a:ext>
             </a:extLst>
           </p:cNvPr>
@@ -1846,7 +1846,7 @@
           <p:cNvPr id="9" name="灯片编号占位符 8">
             <a:extLst>
               <a:ext uri="{FF2B5EF4-FFF2-40B4-BE49-F238E27FC236}">
-                <a16:creationId xmlns:a16="http://schemas.microsoft.com/office/drawing/2014/main" id="{A462C495-3A08-ECDF-9815-73E862AD3CAB}"/>
+                <a16:creationId xmlns:a16="http://schemas.microsoft.com/office/drawing/2014/main" id="{D34B2843-C7E3-094A-7BCF-427788C14C17}"/>
               </a:ext>
             </a:extLst>
           </p:cNvPr>
@@ -1862,7 +1862,7 @@
           <a:bodyPr/>
           <a:lstStyle/>
           <a:p>
-            <a:fld id="{1D3761CA-8E17-4342-9C42-61CE4270A9C0}" type="slidenum">
+            <a:fld id="{CEA4D8B0-5CAF-4B51-BA12-E12C6F4FB0D9}" type="slidenum">
               <a:rPr lang="zh-CN" altLang="en-US" smtClean="0"/>
               <a:t>‹#›</a:t>
             </a:fld>
@@ -1873,7 +1873,7 @@
     </p:spTree>
     <p:extLst>
       <p:ext uri="{BB962C8B-B14F-4D97-AF65-F5344CB8AC3E}">
-        <p14:creationId xmlns:p14="http://schemas.microsoft.com/office/powerpoint/2010/main" val="2956016399"/>
+        <p14:creationId xmlns:p14="http://schemas.microsoft.com/office/powerpoint/2010/main" val="2474952080"/>
       </p:ext>
     </p:extLst>
   </p:cSld>
@@ -1905,7 +1905,7 @@
           <p:cNvPr id="2" name="标题 1">
             <a:extLst>
               <a:ext uri="{FF2B5EF4-FFF2-40B4-BE49-F238E27FC236}">
-                <a16:creationId xmlns:a16="http://schemas.microsoft.com/office/drawing/2014/main" id="{061E3340-7B2A-42CE-2715-20D014E55280}"/>
+                <a16:creationId xmlns:a16="http://schemas.microsoft.com/office/drawing/2014/main" id="{5C592521-BCBB-F99C-443F-F33CD8BDA42D}"/>
               </a:ext>
             </a:extLst>
           </p:cNvPr>
@@ -1933,7 +1933,7 @@
           <p:cNvPr id="3" name="日期占位符 2">
             <a:extLst>
               <a:ext uri="{FF2B5EF4-FFF2-40B4-BE49-F238E27FC236}">
-                <a16:creationId xmlns:a16="http://schemas.microsoft.com/office/drawing/2014/main" id="{C136488F-3667-91C4-ECEC-2F456CE9C4FF}"/>
+                <a16:creationId xmlns:a16="http://schemas.microsoft.com/office/drawing/2014/main" id="{AADCE6A2-E868-B162-5E4F-419B3C6FC7CE}"/>
               </a:ext>
             </a:extLst>
           </p:cNvPr>
@@ -1949,7 +1949,7 @@
           <a:bodyPr/>
           <a:lstStyle/>
           <a:p>
-            <a:fld id="{C85E9110-84E8-45E5-BD4A-6DBD14E56B43}" type="datetimeFigureOut">
+            <a:fld id="{7476B200-625E-46A8-8E89-0C54EDEF49C6}" type="datetimeFigureOut">
               <a:rPr lang="zh-CN" altLang="en-US" smtClean="0"/>
               <a:t>2024/3/10</a:t>
             </a:fld>
@@ -1962,7 +1962,7 @@
           <p:cNvPr id="4" name="页脚占位符 3">
             <a:extLst>
               <a:ext uri="{FF2B5EF4-FFF2-40B4-BE49-F238E27FC236}">
-                <a16:creationId xmlns:a16="http://schemas.microsoft.com/office/drawing/2014/main" id="{1B1BCD30-10BC-B45E-89D2-F245840FF696}"/>
+                <a16:creationId xmlns:a16="http://schemas.microsoft.com/office/drawing/2014/main" id="{631D1DDA-21BA-C768-97FD-3D9CD378E104}"/>
               </a:ext>
             </a:extLst>
           </p:cNvPr>
@@ -1987,7 +1987,7 @@
           <p:cNvPr id="5" name="灯片编号占位符 4">
             <a:extLst>
               <a:ext uri="{FF2B5EF4-FFF2-40B4-BE49-F238E27FC236}">
-                <a16:creationId xmlns:a16="http://schemas.microsoft.com/office/drawing/2014/main" id="{394AB0F7-6124-6197-9719-A714A36133D6}"/>
+                <a16:creationId xmlns:a16="http://schemas.microsoft.com/office/drawing/2014/main" id="{4828CD4E-BA0D-3FE7-9E44-296839F3429D}"/>
               </a:ext>
             </a:extLst>
           </p:cNvPr>
@@ -2003,7 +2003,7 @@
           <a:bodyPr/>
           <a:lstStyle/>
           <a:p>
-            <a:fld id="{1D3761CA-8E17-4342-9C42-61CE4270A9C0}" type="slidenum">
+            <a:fld id="{CEA4D8B0-5CAF-4B51-BA12-E12C6F4FB0D9}" type="slidenum">
               <a:rPr lang="zh-CN" altLang="en-US" smtClean="0"/>
               <a:t>‹#›</a:t>
             </a:fld>
@@ -2014,7 +2014,7 @@
     </p:spTree>
     <p:extLst>
       <p:ext uri="{BB962C8B-B14F-4D97-AF65-F5344CB8AC3E}">
-        <p14:creationId xmlns:p14="http://schemas.microsoft.com/office/powerpoint/2010/main" val="558622138"/>
+        <p14:creationId xmlns:p14="http://schemas.microsoft.com/office/powerpoint/2010/main" val="4131581295"/>
       </p:ext>
     </p:extLst>
   </p:cSld>
@@ -2046,7 +2046,7 @@
           <p:cNvPr id="2" name="日期占位符 1">
             <a:extLst>
               <a:ext uri="{FF2B5EF4-FFF2-40B4-BE49-F238E27FC236}">
-                <a16:creationId xmlns:a16="http://schemas.microsoft.com/office/drawing/2014/main" id="{B8C256A4-2089-4749-EB84-2DA329A8D0D4}"/>
+                <a16:creationId xmlns:a16="http://schemas.microsoft.com/office/drawing/2014/main" id="{9D24D5E3-D4BC-8516-FEFF-0B5EC9FC2364}"/>
               </a:ext>
             </a:extLst>
           </p:cNvPr>
@@ -2062,7 +2062,7 @@
           <a:bodyPr/>
           <a:lstStyle/>
           <a:p>
-            <a:fld id="{C85E9110-84E8-45E5-BD4A-6DBD14E56B43}" type="datetimeFigureOut">
+            <a:fld id="{7476B200-625E-46A8-8E89-0C54EDEF49C6}" type="datetimeFigureOut">
               <a:rPr lang="zh-CN" altLang="en-US" smtClean="0"/>
               <a:t>2024/3/10</a:t>
             </a:fld>
@@ -2075,7 +2075,7 @@
           <p:cNvPr id="3" name="页脚占位符 2">
             <a:extLst>
               <a:ext uri="{FF2B5EF4-FFF2-40B4-BE49-F238E27FC236}">
-                <a16:creationId xmlns:a16="http://schemas.microsoft.com/office/drawing/2014/main" id="{A75BD15E-6FB1-A230-986B-258AE374F39B}"/>
+                <a16:creationId xmlns:a16="http://schemas.microsoft.com/office/drawing/2014/main" id="{F224B977-C941-591B-0507-F39EA7EBEF8F}"/>
               </a:ext>
             </a:extLst>
           </p:cNvPr>
@@ -2100,7 +2100,7 @@
           <p:cNvPr id="4" name="灯片编号占位符 3">
             <a:extLst>
               <a:ext uri="{FF2B5EF4-FFF2-40B4-BE49-F238E27FC236}">
-                <a16:creationId xmlns:a16="http://schemas.microsoft.com/office/drawing/2014/main" id="{EC9A461D-6372-A738-3FBA-B74A02885FE7}"/>
+                <a16:creationId xmlns:a16="http://schemas.microsoft.com/office/drawing/2014/main" id="{E14A4A97-B329-D1AA-EAF4-3D9A73F6EEFE}"/>
               </a:ext>
             </a:extLst>
           </p:cNvPr>
@@ -2116,7 +2116,7 @@
           <a:bodyPr/>
           <a:lstStyle/>
           <a:p>
-            <a:fld id="{1D3761CA-8E17-4342-9C42-61CE4270A9C0}" type="slidenum">
+            <a:fld id="{CEA4D8B0-5CAF-4B51-BA12-E12C6F4FB0D9}" type="slidenum">
               <a:rPr lang="zh-CN" altLang="en-US" smtClean="0"/>
               <a:t>‹#›</a:t>
             </a:fld>
@@ -2127,7 +2127,7 @@
     </p:spTree>
     <p:extLst>
       <p:ext uri="{BB962C8B-B14F-4D97-AF65-F5344CB8AC3E}">
-        <p14:creationId xmlns:p14="http://schemas.microsoft.com/office/powerpoint/2010/main" val="2577363567"/>
+        <p14:creationId xmlns:p14="http://schemas.microsoft.com/office/powerpoint/2010/main" val="1430082428"/>
       </p:ext>
     </p:extLst>
   </p:cSld>
@@ -2159,7 +2159,7 @@
           <p:cNvPr id="2" name="标题 1">
             <a:extLst>
               <a:ext uri="{FF2B5EF4-FFF2-40B4-BE49-F238E27FC236}">
-                <a16:creationId xmlns:a16="http://schemas.microsoft.com/office/drawing/2014/main" id="{6A8C2665-CD49-DE43-3304-3A8429FCEA6E}"/>
+                <a16:creationId xmlns:a16="http://schemas.microsoft.com/office/drawing/2014/main" id="{D33EDFD3-5124-F38F-AD27-EA3630868DED}"/>
               </a:ext>
             </a:extLst>
           </p:cNvPr>
@@ -2196,7 +2196,7 @@
           <p:cNvPr id="3" name="内容占位符 2">
             <a:extLst>
               <a:ext uri="{FF2B5EF4-FFF2-40B4-BE49-F238E27FC236}">
-                <a16:creationId xmlns:a16="http://schemas.microsoft.com/office/drawing/2014/main" id="{327B4CB0-2ACD-71DE-C337-0A235A55521A}"/>
+                <a16:creationId xmlns:a16="http://schemas.microsoft.com/office/drawing/2014/main" id="{21DB3206-98D0-3A22-E808-D1DC7ECF50FF}"/>
               </a:ext>
             </a:extLst>
           </p:cNvPr>
@@ -2286,7 +2286,7 @@
           <p:cNvPr id="4" name="文本占位符 3">
             <a:extLst>
               <a:ext uri="{FF2B5EF4-FFF2-40B4-BE49-F238E27FC236}">
-                <a16:creationId xmlns:a16="http://schemas.microsoft.com/office/drawing/2014/main" id="{4B4065DE-3718-CF64-AC55-D589B433C2B9}"/>
+                <a16:creationId xmlns:a16="http://schemas.microsoft.com/office/drawing/2014/main" id="{7B971817-5119-5422-A4C0-6AA4761C0020}"/>
               </a:ext>
             </a:extLst>
           </p:cNvPr>
@@ -2357,7 +2357,7 @@
           <p:cNvPr id="5" name="日期占位符 4">
             <a:extLst>
               <a:ext uri="{FF2B5EF4-FFF2-40B4-BE49-F238E27FC236}">
-                <a16:creationId xmlns:a16="http://schemas.microsoft.com/office/drawing/2014/main" id="{8B35E753-0468-5A4C-E7B2-5F268528B3DB}"/>
+                <a16:creationId xmlns:a16="http://schemas.microsoft.com/office/drawing/2014/main" id="{3281891D-2427-F668-452C-243A4A793907}"/>
               </a:ext>
             </a:extLst>
           </p:cNvPr>
@@ -2373,7 +2373,7 @@
           <a:bodyPr/>
           <a:lstStyle/>
           <a:p>
-            <a:fld id="{C85E9110-84E8-45E5-BD4A-6DBD14E56B43}" type="datetimeFigureOut">
+            <a:fld id="{7476B200-625E-46A8-8E89-0C54EDEF49C6}" type="datetimeFigureOut">
               <a:rPr lang="zh-CN" altLang="en-US" smtClean="0"/>
               <a:t>2024/3/10</a:t>
             </a:fld>
@@ -2386,7 +2386,7 @@
           <p:cNvPr id="6" name="页脚占位符 5">
             <a:extLst>
               <a:ext uri="{FF2B5EF4-FFF2-40B4-BE49-F238E27FC236}">
-                <a16:creationId xmlns:a16="http://schemas.microsoft.com/office/drawing/2014/main" id="{62AD49CD-84D3-B677-F016-A6572B63A135}"/>
+                <a16:creationId xmlns:a16="http://schemas.microsoft.com/office/drawing/2014/main" id="{688AB42F-3067-D28A-F815-CF7108C32479}"/>
               </a:ext>
             </a:extLst>
           </p:cNvPr>
@@ -2411,7 +2411,7 @@
           <p:cNvPr id="7" name="灯片编号占位符 6">
             <a:extLst>
               <a:ext uri="{FF2B5EF4-FFF2-40B4-BE49-F238E27FC236}">
-                <a16:creationId xmlns:a16="http://schemas.microsoft.com/office/drawing/2014/main" id="{C9860DF6-4C8C-D230-9F6F-C8A55623A9AD}"/>
+                <a16:creationId xmlns:a16="http://schemas.microsoft.com/office/drawing/2014/main" id="{88166608-D683-FCA9-2BDE-CB192FD5C416}"/>
               </a:ext>
             </a:extLst>
           </p:cNvPr>
@@ -2427,7 +2427,7 @@
           <a:bodyPr/>
           <a:lstStyle/>
           <a:p>
-            <a:fld id="{1D3761CA-8E17-4342-9C42-61CE4270A9C0}" type="slidenum">
+            <a:fld id="{CEA4D8B0-5CAF-4B51-BA12-E12C6F4FB0D9}" type="slidenum">
               <a:rPr lang="zh-CN" altLang="en-US" smtClean="0"/>
               <a:t>‹#›</a:t>
             </a:fld>
@@ -2438,7 +2438,7 @@
     </p:spTree>
     <p:extLst>
       <p:ext uri="{BB962C8B-B14F-4D97-AF65-F5344CB8AC3E}">
-        <p14:creationId xmlns:p14="http://schemas.microsoft.com/office/powerpoint/2010/main" val="1005136309"/>
+        <p14:creationId xmlns:p14="http://schemas.microsoft.com/office/powerpoint/2010/main" val="3922721226"/>
       </p:ext>
     </p:extLst>
   </p:cSld>
@@ -2470,7 +2470,7 @@
           <p:cNvPr id="2" name="标题 1">
             <a:extLst>
               <a:ext uri="{FF2B5EF4-FFF2-40B4-BE49-F238E27FC236}">
-                <a16:creationId xmlns:a16="http://schemas.microsoft.com/office/drawing/2014/main" id="{417772D7-23C0-FD93-693F-01FF93EF9EC4}"/>
+                <a16:creationId xmlns:a16="http://schemas.microsoft.com/office/drawing/2014/main" id="{F97548C7-DE47-97F1-1FCD-A3A701169CCA}"/>
               </a:ext>
             </a:extLst>
           </p:cNvPr>
@@ -2507,7 +2507,7 @@
           <p:cNvPr id="3" name="图片占位符 2">
             <a:extLst>
               <a:ext uri="{FF2B5EF4-FFF2-40B4-BE49-F238E27FC236}">
-                <a16:creationId xmlns:a16="http://schemas.microsoft.com/office/drawing/2014/main" id="{D96C9DEA-1BB2-3619-B376-F9E33641ACCE}"/>
+                <a16:creationId xmlns:a16="http://schemas.microsoft.com/office/drawing/2014/main" id="{77B2E248-1FB6-C8E9-2F6F-3A1A889BB3A6}"/>
               </a:ext>
             </a:extLst>
           </p:cNvPr>
@@ -2574,7 +2574,7 @@
           <p:cNvPr id="4" name="文本占位符 3">
             <a:extLst>
               <a:ext uri="{FF2B5EF4-FFF2-40B4-BE49-F238E27FC236}">
-                <a16:creationId xmlns:a16="http://schemas.microsoft.com/office/drawing/2014/main" id="{C1DB0CBD-C1D7-5C4F-33A1-50CD74BF0E12}"/>
+                <a16:creationId xmlns:a16="http://schemas.microsoft.com/office/drawing/2014/main" id="{75D0DCB0-D77E-A650-BF96-22EDBEFC05F9}"/>
               </a:ext>
             </a:extLst>
           </p:cNvPr>
@@ -2645,7 +2645,7 @@
           <p:cNvPr id="5" name="日期占位符 4">
             <a:extLst>
               <a:ext uri="{FF2B5EF4-FFF2-40B4-BE49-F238E27FC236}">
-                <a16:creationId xmlns:a16="http://schemas.microsoft.com/office/drawing/2014/main" id="{E7D5ED89-F787-80FC-0943-A71C29665186}"/>
+                <a16:creationId xmlns:a16="http://schemas.microsoft.com/office/drawing/2014/main" id="{63BEA537-D98D-0D73-D8E0-A534CFF26580}"/>
               </a:ext>
             </a:extLst>
           </p:cNvPr>
@@ -2661,7 +2661,7 @@
           <a:bodyPr/>
           <a:lstStyle/>
           <a:p>
-            <a:fld id="{C85E9110-84E8-45E5-BD4A-6DBD14E56B43}" type="datetimeFigureOut">
+            <a:fld id="{7476B200-625E-46A8-8E89-0C54EDEF49C6}" type="datetimeFigureOut">
               <a:rPr lang="zh-CN" altLang="en-US" smtClean="0"/>
               <a:t>2024/3/10</a:t>
             </a:fld>
@@ -2674,7 +2674,7 @@
           <p:cNvPr id="6" name="页脚占位符 5">
             <a:extLst>
               <a:ext uri="{FF2B5EF4-FFF2-40B4-BE49-F238E27FC236}">
-                <a16:creationId xmlns:a16="http://schemas.microsoft.com/office/drawing/2014/main" id="{5E707E68-0051-58C8-519C-6E1C3C927EE9}"/>
+                <a16:creationId xmlns:a16="http://schemas.microsoft.com/office/drawing/2014/main" id="{4EC59066-D03F-9998-DADC-93B7C0E9DEE4}"/>
               </a:ext>
             </a:extLst>
           </p:cNvPr>
@@ -2699,7 +2699,7 @@
           <p:cNvPr id="7" name="灯片编号占位符 6">
             <a:extLst>
               <a:ext uri="{FF2B5EF4-FFF2-40B4-BE49-F238E27FC236}">
-                <a16:creationId xmlns:a16="http://schemas.microsoft.com/office/drawing/2014/main" id="{1520636A-A512-E450-C83A-587E3D66565E}"/>
+                <a16:creationId xmlns:a16="http://schemas.microsoft.com/office/drawing/2014/main" id="{68816D0C-6819-A3AC-D269-185EC746B7F3}"/>
               </a:ext>
             </a:extLst>
           </p:cNvPr>
@@ -2715,7 +2715,7 @@
           <a:bodyPr/>
           <a:lstStyle/>
           <a:p>
-            <a:fld id="{1D3761CA-8E17-4342-9C42-61CE4270A9C0}" type="slidenum">
+            <a:fld id="{CEA4D8B0-5CAF-4B51-BA12-E12C6F4FB0D9}" type="slidenum">
               <a:rPr lang="zh-CN" altLang="en-US" smtClean="0"/>
               <a:t>‹#›</a:t>
             </a:fld>
@@ -2726,7 +2726,7 @@
     </p:spTree>
     <p:extLst>
       <p:ext uri="{BB962C8B-B14F-4D97-AF65-F5344CB8AC3E}">
-        <p14:creationId xmlns:p14="http://schemas.microsoft.com/office/powerpoint/2010/main" val="4135433249"/>
+        <p14:creationId xmlns:p14="http://schemas.microsoft.com/office/powerpoint/2010/main" val="2900209523"/>
       </p:ext>
     </p:extLst>
   </p:cSld>
@@ -2763,7 +2763,7 @@
           <p:cNvPr id="2" name="标题占位符 1">
             <a:extLst>
               <a:ext uri="{FF2B5EF4-FFF2-40B4-BE49-F238E27FC236}">
-                <a16:creationId xmlns:a16="http://schemas.microsoft.com/office/drawing/2014/main" id="{9F4F763F-9C2C-53A0-F008-532ECBC2F86E}"/>
+                <a16:creationId xmlns:a16="http://schemas.microsoft.com/office/drawing/2014/main" id="{962E71CF-4E6A-71D0-42CF-94D643167992}"/>
               </a:ext>
             </a:extLst>
           </p:cNvPr>
@@ -2801,7 +2801,7 @@
           <p:cNvPr id="3" name="文本占位符 2">
             <a:extLst>
               <a:ext uri="{FF2B5EF4-FFF2-40B4-BE49-F238E27FC236}">
-                <a16:creationId xmlns:a16="http://schemas.microsoft.com/office/drawing/2014/main" id="{933FD0D7-9514-8D69-6691-B2B7E2312460}"/>
+                <a16:creationId xmlns:a16="http://schemas.microsoft.com/office/drawing/2014/main" id="{DF825707-83A8-5ECE-334C-BBF08B23D1ED}"/>
               </a:ext>
             </a:extLst>
           </p:cNvPr>
@@ -2868,7 +2868,7 @@
           <p:cNvPr id="4" name="日期占位符 3">
             <a:extLst>
               <a:ext uri="{FF2B5EF4-FFF2-40B4-BE49-F238E27FC236}">
-                <a16:creationId xmlns:a16="http://schemas.microsoft.com/office/drawing/2014/main" id="{73BFD188-97A2-97EC-2DC0-E8E2CAC78155}"/>
+                <a16:creationId xmlns:a16="http://schemas.microsoft.com/office/drawing/2014/main" id="{4719D7EC-4B45-A4CF-ED80-E28539B975CA}"/>
               </a:ext>
             </a:extLst>
           </p:cNvPr>
@@ -2902,7 +2902,7 @@
             </a:lvl1pPr>
           </a:lstStyle>
           <a:p>
-            <a:fld id="{C85E9110-84E8-45E5-BD4A-6DBD14E56B43}" type="datetimeFigureOut">
+            <a:fld id="{7476B200-625E-46A8-8E89-0C54EDEF49C6}" type="datetimeFigureOut">
               <a:rPr lang="zh-CN" altLang="en-US" smtClean="0"/>
               <a:t>2024/3/10</a:t>
             </a:fld>
@@ -2915,7 +2915,7 @@
           <p:cNvPr id="5" name="页脚占位符 4">
             <a:extLst>
               <a:ext uri="{FF2B5EF4-FFF2-40B4-BE49-F238E27FC236}">
-                <a16:creationId xmlns:a16="http://schemas.microsoft.com/office/drawing/2014/main" id="{47D547F1-751F-C61B-57A9-0441A53445C6}"/>
+                <a16:creationId xmlns:a16="http://schemas.microsoft.com/office/drawing/2014/main" id="{CDDBD32A-24DA-6329-BAF2-305FE1E68600}"/>
               </a:ext>
             </a:extLst>
           </p:cNvPr>
@@ -2958,7 +2958,7 @@
           <p:cNvPr id="6" name="灯片编号占位符 5">
             <a:extLst>
               <a:ext uri="{FF2B5EF4-FFF2-40B4-BE49-F238E27FC236}">
-                <a16:creationId xmlns:a16="http://schemas.microsoft.com/office/drawing/2014/main" id="{A2DCA3D5-D943-DD85-25F4-1B254344B589}"/>
+                <a16:creationId xmlns:a16="http://schemas.microsoft.com/office/drawing/2014/main" id="{483445BA-36B5-6477-A0A8-6E4C5399F263}"/>
               </a:ext>
             </a:extLst>
           </p:cNvPr>
@@ -2992,7 +2992,7 @@
             </a:lvl1pPr>
           </a:lstStyle>
           <a:p>
-            <a:fld id="{1D3761CA-8E17-4342-9C42-61CE4270A9C0}" type="slidenum">
+            <a:fld id="{CEA4D8B0-5CAF-4B51-BA12-E12C6F4FB0D9}" type="slidenum">
               <a:rPr lang="zh-CN" altLang="en-US" smtClean="0"/>
               <a:t>‹#›</a:t>
             </a:fld>
@@ -3003,7 +3003,7 @@
     </p:spTree>
     <p:extLst>
       <p:ext uri="{BB962C8B-B14F-4D97-AF65-F5344CB8AC3E}">
-        <p14:creationId xmlns:p14="http://schemas.microsoft.com/office/powerpoint/2010/main" val="1390621460"/>
+        <p14:creationId xmlns:p14="http://schemas.microsoft.com/office/powerpoint/2010/main" val="437724518"/>
       </p:ext>
     </p:extLst>
   </p:cSld>
